--- a/docs/hdd.pptx
+++ b/docs/hdd.pptx
@@ -289,7 +289,7 @@
           <a:p>
             <a:fld id="{DB40BD3D-5389-42A0-B9AC-45FA07734019}" type="datetimeFigureOut">
               <a:rPr lang="en-US" smtClean="0"/>
-              <a:t>1/28/2016</a:t>
+              <a:t>2/9/2016</a:t>
             </a:fld>
             <a:endParaRPr lang="en-US"/>
           </a:p>
@@ -459,7 +459,7 @@
           <a:p>
             <a:fld id="{DB40BD3D-5389-42A0-B9AC-45FA07734019}" type="datetimeFigureOut">
               <a:rPr lang="en-US" smtClean="0"/>
-              <a:t>1/28/2016</a:t>
+              <a:t>2/9/2016</a:t>
             </a:fld>
             <a:endParaRPr lang="en-US"/>
           </a:p>
@@ -639,7 +639,7 @@
           <a:p>
             <a:fld id="{DB40BD3D-5389-42A0-B9AC-45FA07734019}" type="datetimeFigureOut">
               <a:rPr lang="en-US" smtClean="0"/>
-              <a:t>1/28/2016</a:t>
+              <a:t>2/9/2016</a:t>
             </a:fld>
             <a:endParaRPr lang="en-US"/>
           </a:p>
@@ -809,7 +809,7 @@
           <a:p>
             <a:fld id="{DB40BD3D-5389-42A0-B9AC-45FA07734019}" type="datetimeFigureOut">
               <a:rPr lang="en-US" smtClean="0"/>
-              <a:t>1/28/2016</a:t>
+              <a:t>2/9/2016</a:t>
             </a:fld>
             <a:endParaRPr lang="en-US"/>
           </a:p>
@@ -1055,7 +1055,7 @@
           <a:p>
             <a:fld id="{DB40BD3D-5389-42A0-B9AC-45FA07734019}" type="datetimeFigureOut">
               <a:rPr lang="en-US" smtClean="0"/>
-              <a:t>1/28/2016</a:t>
+              <a:t>2/9/2016</a:t>
             </a:fld>
             <a:endParaRPr lang="en-US"/>
           </a:p>
@@ -1343,7 +1343,7 @@
           <a:p>
             <a:fld id="{DB40BD3D-5389-42A0-B9AC-45FA07734019}" type="datetimeFigureOut">
               <a:rPr lang="en-US" smtClean="0"/>
-              <a:t>1/28/2016</a:t>
+              <a:t>2/9/2016</a:t>
             </a:fld>
             <a:endParaRPr lang="en-US"/>
           </a:p>
@@ -1765,7 +1765,7 @@
           <a:p>
             <a:fld id="{DB40BD3D-5389-42A0-B9AC-45FA07734019}" type="datetimeFigureOut">
               <a:rPr lang="en-US" smtClean="0"/>
-              <a:t>1/28/2016</a:t>
+              <a:t>2/9/2016</a:t>
             </a:fld>
             <a:endParaRPr lang="en-US"/>
           </a:p>
@@ -1883,7 +1883,7 @@
           <a:p>
             <a:fld id="{DB40BD3D-5389-42A0-B9AC-45FA07734019}" type="datetimeFigureOut">
               <a:rPr lang="en-US" smtClean="0"/>
-              <a:t>1/28/2016</a:t>
+              <a:t>2/9/2016</a:t>
             </a:fld>
             <a:endParaRPr lang="en-US"/>
           </a:p>
@@ -1978,7 +1978,7 @@
           <a:p>
             <a:fld id="{DB40BD3D-5389-42A0-B9AC-45FA07734019}" type="datetimeFigureOut">
               <a:rPr lang="en-US" smtClean="0"/>
-              <a:t>1/28/2016</a:t>
+              <a:t>2/9/2016</a:t>
             </a:fld>
             <a:endParaRPr lang="en-US"/>
           </a:p>
@@ -2255,7 +2255,7 @@
           <a:p>
             <a:fld id="{DB40BD3D-5389-42A0-B9AC-45FA07734019}" type="datetimeFigureOut">
               <a:rPr lang="en-US" smtClean="0"/>
-              <a:t>1/28/2016</a:t>
+              <a:t>2/9/2016</a:t>
             </a:fld>
             <a:endParaRPr lang="en-US"/>
           </a:p>
@@ -2508,7 +2508,7 @@
           <a:p>
             <a:fld id="{DB40BD3D-5389-42A0-B9AC-45FA07734019}" type="datetimeFigureOut">
               <a:rPr lang="en-US" smtClean="0"/>
-              <a:t>1/28/2016</a:t>
+              <a:t>2/9/2016</a:t>
             </a:fld>
             <a:endParaRPr lang="en-US"/>
           </a:p>
@@ -2721,7 +2721,7 @@
           <a:p>
             <a:fld id="{DB40BD3D-5389-42A0-B9AC-45FA07734019}" type="datetimeFigureOut">
               <a:rPr lang="en-US" smtClean="0"/>
-              <a:t>1/28/2016</a:t>
+              <a:t>2/9/2016</a:t>
             </a:fld>
             <a:endParaRPr lang="en-US"/>
           </a:p>
@@ -3096,108 +3096,9 @@
           <a:chExt cx="0" cy="0"/>
         </a:xfrm>
       </p:grpSpPr>
-      <p:sp>
-        <p:nvSpPr>
-          <p:cNvPr id="2" name="Title 1"/>
-          <p:cNvSpPr>
-            <a:spLocks noGrp="1"/>
-          </p:cNvSpPr>
-          <p:nvPr>
-            <p:ph type="ctrTitle"/>
-          </p:nvPr>
-        </p:nvSpPr>
-        <p:spPr>
-          <a:xfrm>
-            <a:off x="611560" y="115104"/>
-            <a:ext cx="7990656" cy="792088"/>
-          </a:xfrm>
-        </p:spPr>
-        <p:txBody>
-          <a:bodyPr>
-            <a:normAutofit fontScale="90000"/>
-          </a:bodyPr>
-          <a:lstStyle/>
-          <a:p>
-            <a:pPr algn="l"/>
-            <a:r>
-              <a:rPr lang="en-US" sz="4000" dirty="0" smtClean="0"/>
-              <a:t>Pin OUT</a:t>
-            </a:r>
-            <a:r>
-              <a:rPr lang="en-US" dirty="0" smtClean="0"/>
-              <a:t/>
-            </a:r>
-            <a:br>
-              <a:rPr lang="en-US" dirty="0" smtClean="0"/>
-            </a:br>
-            <a:r>
-              <a:rPr lang="en-US" sz="2700" dirty="0" smtClean="0">
-                <a:solidFill>
-                  <a:schemeClr val="bg1">
-                    <a:lumMod val="50000"/>
-                  </a:schemeClr>
-                </a:solidFill>
-              </a:rPr>
-              <a:t>Arduino DIP</a:t>
-            </a:r>
-            <a:endParaRPr lang="en-US" dirty="0">
-              <a:solidFill>
-                <a:schemeClr val="bg1">
-                  <a:lumMod val="50000"/>
-                </a:schemeClr>
-              </a:solidFill>
-            </a:endParaRPr>
-          </a:p>
-        </p:txBody>
-      </p:sp>
-      <p:sp>
-        <p:nvSpPr>
-          <p:cNvPr id="3" name="Subtitle 2"/>
-          <p:cNvSpPr>
-            <a:spLocks noGrp="1"/>
-          </p:cNvSpPr>
-          <p:nvPr>
-            <p:ph type="subTitle" idx="1"/>
-          </p:nvPr>
-        </p:nvSpPr>
-        <p:spPr>
-          <a:xfrm>
-            <a:off x="4499992" y="322120"/>
-            <a:ext cx="752128" cy="334888"/>
-          </a:xfrm>
-        </p:spPr>
-        <p:txBody>
-          <a:bodyPr>
-            <a:noAutofit/>
-          </a:bodyPr>
-          <a:lstStyle/>
-          <a:p>
-            <a:pPr algn="l"/>
-            <a:r>
-              <a:rPr lang="en-US" sz="1700" dirty="0" smtClean="0">
-                <a:solidFill>
-                  <a:schemeClr val="tx1">
-                    <a:lumMod val="65000"/>
-                    <a:lumOff val="35000"/>
-                  </a:schemeClr>
-                </a:solidFill>
-              </a:rPr>
-              <a:t>Vin</a:t>
-            </a:r>
-            <a:endParaRPr lang="en-US" sz="1700" dirty="0">
-              <a:solidFill>
-                <a:schemeClr val="tx1">
-                  <a:lumMod val="65000"/>
-                  <a:lumOff val="35000"/>
-                </a:schemeClr>
-              </a:solidFill>
-            </a:endParaRPr>
-          </a:p>
-        </p:txBody>
-      </p:sp>
       <p:pic>
         <p:nvPicPr>
-          <p:cNvPr id="1026" name="Picture 2"/>
+          <p:cNvPr id="6" name="Picture 2"/>
           <p:cNvPicPr>
             <a:picLocks noChangeAspect="1" noChangeArrowheads="1"/>
           </p:cNvPicPr>
@@ -3211,13 +3112,13 @@
               </a:ext>
             </a:extLst>
           </a:blip>
-          <a:srcRect l="33353" t="13961" r="31794" b="11059"/>
+          <a:srcRect l="28239" t="11256" r="31653" b="6250"/>
           <a:stretch/>
         </p:blipFill>
         <p:spPr bwMode="auto">
           <a:xfrm>
-            <a:off x="4211960" y="827403"/>
-            <a:ext cx="3888432" cy="4705495"/>
+            <a:off x="4067944" y="667999"/>
+            <a:ext cx="4104456" cy="5065257"/>
           </a:xfrm>
           <a:prstGeom prst="rect">
             <a:avLst/>
@@ -3249,6 +3150,109 @@
       </p:pic>
       <p:sp>
         <p:nvSpPr>
+          <p:cNvPr id="2" name="Title 1"/>
+          <p:cNvSpPr>
+            <a:spLocks noGrp="1"/>
+          </p:cNvSpPr>
+          <p:nvPr>
+            <p:ph type="ctrTitle"/>
+          </p:nvPr>
+        </p:nvSpPr>
+        <p:spPr>
+          <a:xfrm>
+            <a:off x="611560" y="115104"/>
+            <a:ext cx="7990656" cy="792088"/>
+          </a:xfrm>
+        </p:spPr>
+        <p:txBody>
+          <a:bodyPr>
+            <a:normAutofit fontScale="90000"/>
+          </a:bodyPr>
+          <a:lstStyle/>
+          <a:p>
+            <a:pPr algn="l"/>
+            <a:r>
+              <a:rPr lang="en-US" sz="4000" dirty="0" smtClean="0"/>
+              <a:t>Pin </a:t>
+            </a:r>
+            <a:r>
+              <a:rPr lang="en-US" sz="4000" dirty="0" smtClean="0"/>
+              <a:t>OUT v2.7</a:t>
+            </a:r>
+            <a:r>
+              <a:rPr lang="en-US" dirty="0" smtClean="0"/>
+              <a:t/>
+            </a:r>
+            <a:br>
+              <a:rPr lang="en-US" dirty="0" smtClean="0"/>
+            </a:br>
+            <a:r>
+              <a:rPr lang="en-US" sz="2700" dirty="0" smtClean="0">
+                <a:solidFill>
+                  <a:schemeClr val="bg1">
+                    <a:lumMod val="50000"/>
+                  </a:schemeClr>
+                </a:solidFill>
+              </a:rPr>
+              <a:t>Arduino DIP</a:t>
+            </a:r>
+            <a:endParaRPr lang="en-US" dirty="0">
+              <a:solidFill>
+                <a:schemeClr val="bg1">
+                  <a:lumMod val="50000"/>
+                </a:schemeClr>
+              </a:solidFill>
+            </a:endParaRPr>
+          </a:p>
+        </p:txBody>
+      </p:sp>
+      <p:sp>
+        <p:nvSpPr>
+          <p:cNvPr id="3" name="Subtitle 2"/>
+          <p:cNvSpPr>
+            <a:spLocks noGrp="1"/>
+          </p:cNvSpPr>
+          <p:nvPr>
+            <p:ph type="subTitle" idx="1"/>
+          </p:nvPr>
+        </p:nvSpPr>
+        <p:spPr>
+          <a:xfrm>
+            <a:off x="4499992" y="322120"/>
+            <a:ext cx="752128" cy="334888"/>
+          </a:xfrm>
+        </p:spPr>
+        <p:txBody>
+          <a:bodyPr>
+            <a:noAutofit/>
+          </a:bodyPr>
+          <a:lstStyle/>
+          <a:p>
+            <a:pPr algn="l"/>
+            <a:r>
+              <a:rPr lang="en-US" sz="1700" b="1" dirty="0" smtClean="0">
+                <a:solidFill>
+                  <a:schemeClr val="tx1">
+                    <a:lumMod val="65000"/>
+                    <a:lumOff val="35000"/>
+                  </a:schemeClr>
+                </a:solidFill>
+              </a:rPr>
+              <a:t>Vin</a:t>
+            </a:r>
+            <a:endParaRPr lang="en-US" sz="1700" b="1" dirty="0">
+              <a:solidFill>
+                <a:schemeClr val="tx1">
+                  <a:lumMod val="65000"/>
+                  <a:lumOff val="35000"/>
+                </a:schemeClr>
+              </a:solidFill>
+            </a:endParaRPr>
+          </a:p>
+        </p:txBody>
+      </p:sp>
+      <p:sp>
+        <p:nvSpPr>
           <p:cNvPr id="5" name="Subtitle 2"/>
           <p:cNvSpPr txBox="1">
             <a:spLocks/>
@@ -3257,8 +3261,8 @@
         </p:nvSpPr>
         <p:spPr>
           <a:xfrm>
-            <a:off x="5220072" y="296968"/>
-            <a:ext cx="1944216" cy="478904"/>
+            <a:off x="5220072" y="116632"/>
+            <a:ext cx="1944216" cy="659240"/>
           </a:xfrm>
           <a:prstGeom prst="rect">
             <a:avLst/>
@@ -3266,7 +3270,7 @@
         </p:spPr>
         <p:txBody>
           <a:bodyPr vert="horz" lIns="91440" tIns="45720" rIns="91440" bIns="45720" rtlCol="0">
-            <a:normAutofit fontScale="77500" lnSpcReduction="20000"/>
+            <a:normAutofit fontScale="70000" lnSpcReduction="20000"/>
           </a:bodyPr>
           <a:lstStyle>
             <a:lvl1pPr marL="0" indent="0" algn="ctr" defTabSz="914400" rtl="0" eaLnBrk="1" latinLnBrk="0" hangingPunct="1">
@@ -3434,7 +3438,18 @@
                   </a:schemeClr>
                 </a:solidFill>
               </a:rPr>
-              <a:t>Low side PWM, 6A, 30V</a:t>
+              <a:t>Low side PWM, 6A, </a:t>
+            </a:r>
+            <a:r>
+              <a:rPr lang="en-US" sz="1800" dirty="0" smtClean="0">
+                <a:solidFill>
+                  <a:schemeClr val="tx1">
+                    <a:lumMod val="65000"/>
+                    <a:lumOff val="35000"/>
+                  </a:schemeClr>
+                </a:solidFill>
+              </a:rPr>
+              <a:t>30V</a:t>
             </a:r>
           </a:p>
           <a:p>
@@ -3448,9 +3463,42 @@
                   </a:schemeClr>
                 </a:solidFill>
               </a:rPr>
-              <a:t>Channel  T0,T1,T2,T3</a:t>
+              <a:t>Or Motor Driver, 600mA</a:t>
             </a:r>
-            <a:endParaRPr lang="en-US" sz="1800" dirty="0">
+            <a:endParaRPr lang="en-US" sz="1800" dirty="0" smtClean="0">
+              <a:solidFill>
+                <a:schemeClr val="tx1">
+                  <a:lumMod val="65000"/>
+                  <a:lumOff val="35000"/>
+                </a:schemeClr>
+              </a:solidFill>
+            </a:endParaRPr>
+          </a:p>
+          <a:p>
+            <a:pPr algn="l"/>
+            <a:r>
+              <a:rPr lang="en-US" sz="1800" dirty="0" smtClean="0">
+                <a:solidFill>
+                  <a:schemeClr val="tx1">
+                    <a:lumMod val="65000"/>
+                    <a:lumOff val="35000"/>
+                  </a:schemeClr>
+                </a:solidFill>
+              </a:rPr>
+              <a:t>Channel  </a:t>
+            </a:r>
+            <a:r>
+              <a:rPr lang="en-US" sz="1800" b="1" dirty="0" smtClean="0">
+                <a:solidFill>
+                  <a:schemeClr val="tx1">
+                    <a:lumMod val="65000"/>
+                    <a:lumOff val="35000"/>
+                  </a:schemeClr>
+                </a:solidFill>
+              </a:rPr>
+              <a:t>P0,P1,P2,P3</a:t>
+            </a:r>
+            <a:endParaRPr lang="en-US" sz="1800" b="1" dirty="0">
               <a:solidFill>
                 <a:schemeClr val="tx1">
                   <a:lumMod val="65000"/>
@@ -3640,7 +3688,7 @@
           <a:p>
             <a:pPr algn="l"/>
             <a:r>
-              <a:rPr lang="en-US" sz="1800" dirty="0" smtClean="0">
+              <a:rPr lang="en-US" sz="1800" b="1" dirty="0" smtClean="0">
                 <a:solidFill>
                   <a:schemeClr val="tx1">
                     <a:lumMod val="65000"/>
@@ -3650,7 +3698,7 @@
               </a:rPr>
               <a:t>GND</a:t>
             </a:r>
-            <a:endParaRPr lang="en-US" sz="1800" dirty="0">
+            <a:endParaRPr lang="en-US" sz="1800" b="1" dirty="0">
               <a:solidFill>
                 <a:schemeClr val="tx1">
                   <a:lumMod val="65000"/>
@@ -3669,8 +3717,8 @@
         </p:nvSpPr>
         <p:spPr>
           <a:xfrm>
-            <a:off x="5220072" y="296968"/>
-            <a:ext cx="1944216" cy="1052763"/>
+            <a:off x="5220072" y="116632"/>
+            <a:ext cx="1944216" cy="1233099"/>
           </a:xfrm>
           <a:prstGeom prst="roundRect">
             <a:avLst/>
@@ -3966,7 +4014,7 @@
           <a:p>
             <a:pPr algn="l"/>
             <a:r>
-              <a:rPr lang="en-US" sz="1700" dirty="0" smtClean="0">
+              <a:rPr lang="en-US" sz="1700" b="1" dirty="0" smtClean="0">
                 <a:solidFill>
                   <a:schemeClr val="tx1">
                     <a:lumMod val="65000"/>
@@ -3976,7 +4024,7 @@
               </a:rPr>
               <a:t>Vout</a:t>
             </a:r>
-            <a:endParaRPr lang="en-US" sz="1700" dirty="0">
+            <a:endParaRPr lang="en-US" sz="1700" b="1" dirty="0">
               <a:solidFill>
                 <a:schemeClr val="tx1">
                   <a:lumMod val="65000"/>
@@ -4166,7 +4214,7 @@
           <a:p>
             <a:pPr algn="l"/>
             <a:r>
-              <a:rPr lang="en-US" sz="1800" dirty="0" smtClean="0">
+              <a:rPr lang="en-US" sz="1800" b="1" dirty="0" smtClean="0">
                 <a:solidFill>
                   <a:schemeClr val="tx1">
                     <a:lumMod val="65000"/>
@@ -4176,7 +4224,7 @@
               </a:rPr>
               <a:t>GND</a:t>
             </a:r>
-            <a:endParaRPr lang="en-US" sz="1800" dirty="0">
+            <a:endParaRPr lang="en-US" sz="1800" b="1" dirty="0">
               <a:solidFill>
                 <a:schemeClr val="tx1">
                   <a:lumMod val="65000"/>
@@ -4794,9 +4842,20 @@
                   </a:schemeClr>
                 </a:solidFill>
               </a:rPr>
-              <a:t>PC1</a:t>
+              <a:t>     </a:t>
             </a:r>
-            <a:endParaRPr lang="en-US" sz="1700" dirty="0">
+            <a:r>
+              <a:rPr lang="en-US" sz="1700" b="1" dirty="0" smtClean="0">
+                <a:solidFill>
+                  <a:schemeClr val="tx1">
+                    <a:lumMod val="65000"/>
+                    <a:lumOff val="35000"/>
+                  </a:schemeClr>
+                </a:solidFill>
+              </a:rPr>
+              <a:t>P4</a:t>
+            </a:r>
+            <a:endParaRPr lang="en-US" sz="1700" b="1" dirty="0">
               <a:solidFill>
                 <a:schemeClr val="tx1">
                   <a:lumMod val="65000"/>
@@ -5306,7 +5365,7 @@
           <a:p>
             <a:pPr algn="l"/>
             <a:r>
-              <a:rPr lang="en-US" sz="1700" dirty="0" smtClean="0">
+              <a:rPr lang="en-US" sz="1700" b="1" dirty="0" smtClean="0">
                 <a:solidFill>
                   <a:schemeClr val="tx1">
                     <a:lumMod val="65000"/>
@@ -5314,9 +5373,9 @@
                   </a:schemeClr>
                 </a:solidFill>
               </a:rPr>
-              <a:t>PD2</a:t>
+              <a:t>P6</a:t>
             </a:r>
-            <a:endParaRPr lang="en-US" sz="1700" dirty="0">
+            <a:endParaRPr lang="en-US" sz="1700" b="1" dirty="0">
               <a:solidFill>
                 <a:schemeClr val="tx1">
                   <a:lumMod val="65000"/>
@@ -5514,9 +5573,20 @@
                   </a:schemeClr>
                 </a:solidFill>
               </a:rPr>
-              <a:t>PB3</a:t>
+              <a:t>   </a:t>
             </a:r>
-            <a:endParaRPr lang="en-US" sz="1700" dirty="0">
+            <a:r>
+              <a:rPr lang="en-US" sz="1700" b="1" dirty="0" smtClean="0">
+                <a:solidFill>
+                  <a:schemeClr val="tx1">
+                    <a:lumMod val="65000"/>
+                    <a:lumOff val="35000"/>
+                  </a:schemeClr>
+                </a:solidFill>
+              </a:rPr>
+              <a:t>P7</a:t>
+            </a:r>
+            <a:endParaRPr lang="en-US" sz="1700" b="1" dirty="0">
               <a:solidFill>
                 <a:schemeClr val="tx1">
                   <a:lumMod val="65000"/>
@@ -5535,8 +5605,8 @@
         </p:nvSpPr>
         <p:spPr>
           <a:xfrm>
-            <a:off x="4967913" y="3321304"/>
-            <a:ext cx="338525" cy="1484811"/>
+            <a:off x="4847694" y="3356992"/>
+            <a:ext cx="372378" cy="1633292"/>
           </a:xfrm>
           <a:prstGeom prst="roundRect">
             <a:avLst/>
@@ -5623,8 +5693,8 @@
         </p:nvSpPr>
         <p:spPr>
           <a:xfrm>
-            <a:off x="3059832" y="4164367"/>
-            <a:ext cx="1944216" cy="381073"/>
+            <a:off x="3059832" y="4164366"/>
+            <a:ext cx="1944216" cy="1064833"/>
           </a:xfrm>
           <a:prstGeom prst="rect">
             <a:avLst/>
@@ -5632,7 +5702,7 @@
         </p:spPr>
         <p:txBody>
           <a:bodyPr vert="horz" lIns="91440" tIns="45720" rIns="91440" bIns="45720" rtlCol="0">
-            <a:normAutofit/>
+            <a:normAutofit fontScale="70000" lnSpcReduction="20000"/>
           </a:bodyPr>
           <a:lstStyle>
             <a:lvl1pPr marL="0" indent="0" algn="ctr" defTabSz="914400" rtl="0" eaLnBrk="1" latinLnBrk="0" hangingPunct="1">
@@ -5792,7 +5862,7 @@
           <a:p>
             <a:pPr algn="l"/>
             <a:r>
-              <a:rPr lang="en-US" sz="1400" dirty="0" smtClean="0">
+              <a:rPr lang="en-US" sz="1800" b="1" dirty="0" smtClean="0">
                 <a:solidFill>
                   <a:schemeClr val="tx1">
                     <a:lumMod val="65000"/>
@@ -5800,7 +5870,118 @@
                   </a:schemeClr>
                 </a:solidFill>
               </a:rPr>
-              <a:t>UART header</a:t>
+              <a:t>UART </a:t>
+            </a:r>
+            <a:r>
+              <a:rPr lang="en-US" sz="1800" b="1" dirty="0" smtClean="0">
+                <a:solidFill>
+                  <a:schemeClr val="tx1">
+                    <a:lumMod val="65000"/>
+                    <a:lumOff val="35000"/>
+                  </a:schemeClr>
+                </a:solidFill>
+              </a:rPr>
+              <a:t>header</a:t>
+            </a:r>
+          </a:p>
+          <a:p>
+            <a:pPr algn="l"/>
+            <a:r>
+              <a:rPr lang="en-US" sz="1100" dirty="0" smtClean="0">
+                <a:solidFill>
+                  <a:schemeClr val="tx1">
+                    <a:lumMod val="65000"/>
+                    <a:lumOff val="35000"/>
+                  </a:schemeClr>
+                </a:solidFill>
+              </a:rPr>
+              <a:t>GND</a:t>
+            </a:r>
+          </a:p>
+          <a:p>
+            <a:pPr algn="l"/>
+            <a:r>
+              <a:rPr lang="en-US" sz="1100" dirty="0" smtClean="0">
+                <a:solidFill>
+                  <a:schemeClr val="tx1">
+                    <a:lumMod val="65000"/>
+                    <a:lumOff val="35000"/>
+                  </a:schemeClr>
+                </a:solidFill>
+              </a:rPr>
+              <a:t>-</a:t>
+            </a:r>
+          </a:p>
+          <a:p>
+            <a:pPr algn="l"/>
+            <a:r>
+              <a:rPr lang="en-US" sz="1100" dirty="0">
+                <a:solidFill>
+                  <a:schemeClr val="tx1">
+                    <a:lumMod val="65000"/>
+                    <a:lumOff val="35000"/>
+                  </a:schemeClr>
+                </a:solidFill>
+              </a:rPr>
+              <a:t>-</a:t>
+            </a:r>
+            <a:endParaRPr lang="en-US" sz="1100" dirty="0" smtClean="0">
+              <a:solidFill>
+                <a:schemeClr val="tx1">
+                  <a:lumMod val="65000"/>
+                  <a:lumOff val="35000"/>
+                </a:schemeClr>
+              </a:solidFill>
+            </a:endParaRPr>
+          </a:p>
+          <a:p>
+            <a:pPr algn="l"/>
+            <a:r>
+              <a:rPr lang="en-US" sz="1100" dirty="0" smtClean="0">
+                <a:solidFill>
+                  <a:schemeClr val="tx1">
+                    <a:lumMod val="65000"/>
+                    <a:lumOff val="35000"/>
+                  </a:schemeClr>
+                </a:solidFill>
+              </a:rPr>
+              <a:t>PC TX</a:t>
+            </a:r>
+            <a:endParaRPr lang="en-US" sz="1100" dirty="0">
+              <a:solidFill>
+                <a:schemeClr val="tx1">
+                  <a:lumMod val="65000"/>
+                  <a:lumOff val="35000"/>
+                </a:schemeClr>
+              </a:solidFill>
+            </a:endParaRPr>
+          </a:p>
+          <a:p>
+            <a:pPr algn="l"/>
+            <a:r>
+              <a:rPr lang="en-US" sz="1100" dirty="0" smtClean="0">
+                <a:solidFill>
+                  <a:schemeClr val="tx1">
+                    <a:lumMod val="65000"/>
+                    <a:lumOff val="35000"/>
+                  </a:schemeClr>
+                </a:solidFill>
+              </a:rPr>
+              <a:t>PC RX</a:t>
+            </a:r>
+          </a:p>
+          <a:p>
+            <a:pPr algn="l"/>
+            <a:r>
+              <a:rPr lang="en-US" sz="1100" dirty="0" smtClean="0">
+                <a:solidFill>
+                  <a:schemeClr val="tx1">
+                    <a:lumMod val="65000"/>
+                    <a:lumOff val="35000"/>
+                  </a:schemeClr>
+                </a:solidFill>
+              </a:rPr>
+              <a:t>Reset</a:t>
             </a:r>
           </a:p>
           <a:p>
@@ -5824,7 +6005,7 @@
         </p:nvSpPr>
         <p:spPr>
           <a:xfrm>
-            <a:off x="5306438" y="3187907"/>
+            <a:off x="5252449" y="3378442"/>
             <a:ext cx="799671" cy="590005"/>
           </a:xfrm>
           <a:prstGeom prst="roundRect">
@@ -6069,8 +6250,8 @@
           <p:nvPr/>
         </p:nvSpPr>
         <p:spPr>
-          <a:xfrm rot="16200000">
-            <a:off x="4537588" y="2832588"/>
+          <a:xfrm rot="16852028">
+            <a:off x="4537588" y="3047793"/>
             <a:ext cx="316453" cy="1221245"/>
           </a:xfrm>
           <a:prstGeom prst="downArrow">
@@ -6112,7 +6293,7 @@
         </p:nvSpPr>
         <p:spPr>
           <a:xfrm>
-            <a:off x="8100392" y="2178197"/>
+            <a:off x="8100392" y="2317646"/>
             <a:ext cx="1080120" cy="1039346"/>
           </a:xfrm>
           <a:prstGeom prst="rect">
@@ -6121,7 +6302,7 @@
         </p:spPr>
         <p:txBody>
           <a:bodyPr vert="horz" lIns="91440" tIns="45720" rIns="91440" bIns="45720" rtlCol="0">
-            <a:normAutofit fontScale="92500"/>
+            <a:normAutofit/>
           </a:bodyPr>
           <a:lstStyle>
             <a:lvl1pPr marL="0" indent="0" algn="ctr" defTabSz="914400" rtl="0" eaLnBrk="1" latinLnBrk="0" hangingPunct="1">
@@ -6281,7 +6462,7 @@
           <a:p>
             <a:pPr algn="l"/>
             <a:r>
-              <a:rPr lang="en-US" sz="1400" dirty="0" smtClean="0">
+              <a:rPr lang="en-US" sz="1100" dirty="0" smtClean="0">
                 <a:solidFill>
                   <a:schemeClr val="tx1">
                     <a:lumMod val="65000"/>
@@ -6295,7 +6476,7 @@
           <a:p>
             <a:pPr algn="l"/>
             <a:r>
-              <a:rPr lang="en-US" sz="1400" dirty="0" smtClean="0">
+              <a:rPr lang="en-US" sz="1100" dirty="0" smtClean="0">
                 <a:solidFill>
                   <a:schemeClr val="tx1">
                     <a:lumMod val="65000"/>
@@ -6305,7 +6486,7 @@
               </a:rPr>
               <a:t>CHIP I2C_2  </a:t>
             </a:r>
-            <a:endParaRPr lang="en-US" sz="1400" dirty="0">
+            <a:endParaRPr lang="en-US" sz="1100" dirty="0">
               <a:solidFill>
                 <a:schemeClr val="tx1">
                   <a:lumMod val="65000"/>
@@ -6409,8 +6590,8 @@
           <p:nvPr/>
         </p:nvSpPr>
         <p:spPr>
-          <a:xfrm rot="6469541">
-            <a:off x="7724266" y="4452997"/>
+          <a:xfrm rot="6046434">
+            <a:off x="7729761" y="4516644"/>
             <a:ext cx="288032" cy="768330"/>
           </a:xfrm>
           <a:prstGeom prst="downArrow">
@@ -6621,7 +6802,7 @@
           <a:p>
             <a:pPr algn="l"/>
             <a:r>
-              <a:rPr lang="en-US" sz="1700" dirty="0" smtClean="0">
+              <a:rPr lang="en-US" sz="1700" b="1" dirty="0" smtClean="0">
                 <a:solidFill>
                   <a:schemeClr val="tx1">
                     <a:lumMod val="65000"/>
@@ -6629,9 +6810,9 @@
                   </a:schemeClr>
                 </a:solidFill>
               </a:rPr>
-              <a:t>PC3</a:t>
+              <a:t>P10</a:t>
             </a:r>
-            <a:endParaRPr lang="en-US" sz="1700" dirty="0">
+            <a:endParaRPr lang="en-US" sz="1700" b="1" dirty="0">
               <a:solidFill>
                 <a:schemeClr val="tx1">
                   <a:lumMod val="65000"/>
@@ -6649,8 +6830,8 @@
           <p:nvPr/>
         </p:nvSpPr>
         <p:spPr>
-          <a:xfrm rot="14466816">
-            <a:off x="4786358" y="3958549"/>
+          <a:xfrm rot="16476231">
+            <a:off x="4159736" y="2262045"/>
             <a:ext cx="288032" cy="1771655"/>
           </a:xfrm>
           <a:prstGeom prst="downArrow">
@@ -6692,7 +6873,7 @@
         </p:nvSpPr>
         <p:spPr>
           <a:xfrm>
-            <a:off x="3671900" y="5151824"/>
+            <a:off x="2903478" y="2912738"/>
             <a:ext cx="1944216" cy="381073"/>
           </a:xfrm>
           <a:prstGeom prst="rect">
@@ -6861,7 +7042,7 @@
           <a:p>
             <a:pPr algn="l"/>
             <a:r>
-              <a:rPr lang="en-US" sz="1700" dirty="0" smtClean="0">
+              <a:rPr lang="en-US" sz="1700" b="1" dirty="0" smtClean="0">
                 <a:solidFill>
                   <a:schemeClr val="tx1">
                     <a:lumMod val="65000"/>
@@ -6869,9 +7050,9 @@
                   </a:schemeClr>
                 </a:solidFill>
               </a:rPr>
-              <a:t>PC2</a:t>
+              <a:t>P8</a:t>
             </a:r>
-            <a:endParaRPr lang="en-US" sz="1700" dirty="0">
+            <a:endParaRPr lang="en-US" sz="1700" b="1" dirty="0">
               <a:solidFill>
                 <a:schemeClr val="tx1">
                   <a:lumMod val="65000"/>
@@ -6889,8 +7070,8 @@
           <p:nvPr/>
         </p:nvSpPr>
         <p:spPr>
-          <a:xfrm rot="5400000">
-            <a:off x="7597694" y="3841164"/>
+          <a:xfrm rot="5115140">
+            <a:off x="7626598" y="3857997"/>
             <a:ext cx="272745" cy="1088048"/>
           </a:xfrm>
           <a:prstGeom prst="downArrow">
@@ -7101,7 +7282,7 @@
           <a:p>
             <a:pPr algn="l"/>
             <a:r>
-              <a:rPr lang="en-US" sz="1700" dirty="0" smtClean="0">
+              <a:rPr lang="en-US" sz="1700" b="1" dirty="0" smtClean="0">
                 <a:solidFill>
                   <a:schemeClr val="tx1">
                     <a:lumMod val="65000"/>
@@ -7109,9 +7290,9 @@
                   </a:schemeClr>
                 </a:solidFill>
               </a:rPr>
-              <a:t>PD3</a:t>
+              <a:t>P9</a:t>
             </a:r>
-            <a:endParaRPr lang="en-US" sz="1700" dirty="0">
+            <a:endParaRPr lang="en-US" sz="1700" b="1" dirty="0">
               <a:solidFill>
                 <a:schemeClr val="tx1">
                   <a:lumMod val="65000"/>
@@ -7129,8 +7310,8 @@
           <p:nvPr/>
         </p:nvSpPr>
         <p:spPr>
-          <a:xfrm rot="2522041">
-            <a:off x="7477786" y="1470387"/>
+          <a:xfrm rot="1914478">
+            <a:off x="7737404" y="1579869"/>
             <a:ext cx="272745" cy="1844520"/>
           </a:xfrm>
           <a:prstGeom prst="downArrow">
@@ -7172,7 +7353,7 @@
         </p:nvSpPr>
         <p:spPr>
           <a:xfrm>
-            <a:off x="8244408" y="1448885"/>
+            <a:off x="8284368" y="1412776"/>
             <a:ext cx="752128" cy="334888"/>
           </a:xfrm>
           <a:prstGeom prst="rect">
@@ -7341,7 +7522,7 @@
           <a:p>
             <a:pPr algn="l"/>
             <a:r>
-              <a:rPr lang="en-US" sz="1700" dirty="0" smtClean="0">
+              <a:rPr lang="en-US" sz="1700" b="1" dirty="0" smtClean="0">
                 <a:solidFill>
                   <a:schemeClr val="tx1">
                     <a:lumMod val="65000"/>
@@ -7349,9 +7530,9 @@
                   </a:schemeClr>
                 </a:solidFill>
               </a:rPr>
-              <a:t>PB0</a:t>
+              <a:t>P12</a:t>
             </a:r>
-            <a:endParaRPr lang="en-US" sz="1700" dirty="0">
+            <a:endParaRPr lang="en-US" sz="1700" b="1" dirty="0">
               <a:solidFill>
                 <a:schemeClr val="tx1">
                   <a:lumMod val="65000"/>
@@ -7371,14 +7552,14 @@
           <p:nvPr>
             <p:extLst>
               <p:ext uri="{D42A27DB-BD31-4B8C-83A1-F6EECF244321}">
-                <p14:modId xmlns:p14="http://schemas.microsoft.com/office/powerpoint/2010/main" val="3948667561"/>
+                <p14:modId xmlns:p14="http://schemas.microsoft.com/office/powerpoint/2010/main" val="542125765"/>
               </p:ext>
             </p:extLst>
           </p:nvPr>
         </p:nvGraphicFramePr>
         <p:xfrm>
           <a:off x="107507" y="1168944"/>
-          <a:ext cx="1830157" cy="5108514"/>
+          <a:ext cx="1830157" cy="5462057"/>
         </p:xfrm>
         <a:graphic>
           <a:graphicData uri="http://schemas.openxmlformats.org/drawingml/2006/table">
@@ -7530,7 +7711,7 @@
                     <a:p>
                       <a:r>
                         <a:rPr lang="en-US" sz="1000" dirty="0" smtClean="0"/>
-                        <a:t>PB0</a:t>
+                        <a:t>PD7</a:t>
                       </a:r>
                       <a:endParaRPr lang="en-US" sz="1000" dirty="0"/>
                     </a:p>
@@ -7551,7 +7732,7 @@
                     <a:p>
                       <a:r>
                         <a:rPr lang="en-US" sz="1000" dirty="0" smtClean="0"/>
-                        <a:t>11</a:t>
+                        <a:t>P12</a:t>
                       </a:r>
                       <a:endParaRPr lang="en-US" sz="1000" dirty="0"/>
                     </a:p>
@@ -7572,7 +7753,7 @@
                     <a:p>
                       <a:r>
                         <a:rPr lang="en-US" sz="1000" dirty="0" smtClean="0"/>
-                        <a:t>8</a:t>
+                        <a:t>7</a:t>
                       </a:r>
                       <a:endParaRPr lang="en-US" sz="1000" dirty="0"/>
                     </a:p>
@@ -7647,6 +7828,240 @@
                     <a:p>
                       <a:r>
                         <a:rPr lang="en-US" sz="1000" dirty="0" smtClean="0"/>
+                        <a:t>PB0</a:t>
+                      </a:r>
+                      <a:endParaRPr lang="en-US" sz="1000" dirty="0"/>
+                    </a:p>
+                  </a:txBody>
+                  <a:tcPr vert="vert270">
+                    <a:solidFill>
+                      <a:schemeClr val="accent6">
+                        <a:lumMod val="20000"/>
+                        <a:lumOff val="80000"/>
+                      </a:schemeClr>
+                    </a:solidFill>
+                  </a:tcPr>
+                </a:tc>
+                <a:tc>
+                  <a:txBody>
+                    <a:bodyPr/>
+                    <a:lstStyle/>
+                    <a:p>
+                      <a:r>
+                        <a:rPr lang="en-US" sz="1000" dirty="0" smtClean="0"/>
+                        <a:t>P11</a:t>
+                      </a:r>
+                      <a:endParaRPr lang="en-US" sz="1000" dirty="0"/>
+                    </a:p>
+                  </a:txBody>
+                  <a:tcPr vert="vert270">
+                    <a:solidFill>
+                      <a:schemeClr val="accent6">
+                        <a:lumMod val="20000"/>
+                        <a:lumOff val="80000"/>
+                      </a:schemeClr>
+                    </a:solidFill>
+                  </a:tcPr>
+                </a:tc>
+                <a:tc>
+                  <a:txBody>
+                    <a:bodyPr/>
+                    <a:lstStyle/>
+                    <a:p>
+                      <a:r>
+                        <a:rPr lang="en-US" sz="1000" dirty="0" smtClean="0"/>
+                        <a:t>8</a:t>
+                      </a:r>
+                      <a:endParaRPr lang="en-US" sz="1000" dirty="0"/>
+                    </a:p>
+                  </a:txBody>
+                  <a:tcPr vert="vert270">
+                    <a:solidFill>
+                      <a:schemeClr val="accent6">
+                        <a:lumMod val="20000"/>
+                        <a:lumOff val="80000"/>
+                      </a:schemeClr>
+                    </a:solidFill>
+                  </a:tcPr>
+                </a:tc>
+                <a:tc>
+                  <a:txBody>
+                    <a:bodyPr/>
+                    <a:lstStyle/>
+                    <a:p>
+                      <a:pPr algn="ctr"/>
+                      <a:r>
+                        <a:rPr lang="en-US" sz="1400" dirty="0" smtClean="0"/>
+                        <a:t>X</a:t>
+                      </a:r>
+                      <a:endParaRPr lang="en-US" sz="1400" dirty="0"/>
+                    </a:p>
+                  </a:txBody>
+                  <a:tcPr vert="vert270" anchor="ctr"/>
+                </a:tc>
+                <a:tc>
+                  <a:txBody>
+                    <a:bodyPr/>
+                    <a:lstStyle/>
+                    <a:p>
+                      <a:pPr algn="ctr"/>
+                      <a:endParaRPr lang="en-US" sz="1400" dirty="0"/>
+                    </a:p>
+                  </a:txBody>
+                  <a:tcPr vert="vert270" anchor="ctr"/>
+                </a:tc>
+                <a:tc>
+                  <a:txBody>
+                    <a:bodyPr/>
+                    <a:lstStyle/>
+                    <a:p>
+                      <a:pPr algn="ctr"/>
+                      <a:endParaRPr lang="en-US" sz="1400" dirty="0"/>
+                    </a:p>
+                  </a:txBody>
+                  <a:tcPr vert="vert270" anchor="ctr"/>
+                </a:tc>
+                <a:tc>
+                  <a:txBody>
+                    <a:bodyPr/>
+                    <a:lstStyle/>
+                    <a:p>
+                      <a:pPr algn="ctr"/>
+                      <a:r>
+                        <a:rPr lang="en-US" sz="1400" dirty="0" smtClean="0"/>
+                        <a:t>X</a:t>
+                      </a:r>
+                      <a:endParaRPr lang="en-US" sz="1400" dirty="0"/>
+                    </a:p>
+                  </a:txBody>
+                  <a:tcPr vert="vert270" anchor="ctr"/>
+                </a:tc>
+              </a:tr>
+              <a:tr h="353543">
+                <a:tc>
+                  <a:txBody>
+                    <a:bodyPr/>
+                    <a:lstStyle/>
+                    <a:p>
+                      <a:r>
+                        <a:rPr lang="en-US" sz="1000" dirty="0" smtClean="0"/>
+                        <a:t>PC3</a:t>
+                      </a:r>
+                      <a:endParaRPr lang="en-US" sz="1000" dirty="0"/>
+                    </a:p>
+                  </a:txBody>
+                  <a:tcPr vert="vert270">
+                    <a:solidFill>
+                      <a:schemeClr val="accent6">
+                        <a:lumMod val="40000"/>
+                        <a:lumOff val="60000"/>
+                      </a:schemeClr>
+                    </a:solidFill>
+                  </a:tcPr>
+                </a:tc>
+                <a:tc>
+                  <a:txBody>
+                    <a:bodyPr/>
+                    <a:lstStyle/>
+                    <a:p>
+                      <a:r>
+                        <a:rPr lang="en-US" sz="1000" dirty="0" smtClean="0"/>
+                        <a:t>P10</a:t>
+                      </a:r>
+                      <a:endParaRPr lang="en-US" sz="1000" dirty="0"/>
+                    </a:p>
+                  </a:txBody>
+                  <a:tcPr vert="vert270">
+                    <a:solidFill>
+                      <a:schemeClr val="accent6">
+                        <a:lumMod val="40000"/>
+                        <a:lumOff val="60000"/>
+                      </a:schemeClr>
+                    </a:solidFill>
+                  </a:tcPr>
+                </a:tc>
+                <a:tc>
+                  <a:txBody>
+                    <a:bodyPr/>
+                    <a:lstStyle/>
+                    <a:p>
+                      <a:r>
+                        <a:rPr lang="en-US" sz="1000" dirty="0" smtClean="0"/>
+                        <a:t>17</a:t>
+                      </a:r>
+                      <a:endParaRPr lang="en-US" sz="1000" dirty="0"/>
+                    </a:p>
+                  </a:txBody>
+                  <a:tcPr vert="vert270">
+                    <a:solidFill>
+                      <a:schemeClr val="accent6">
+                        <a:lumMod val="40000"/>
+                        <a:lumOff val="60000"/>
+                      </a:schemeClr>
+                    </a:solidFill>
+                  </a:tcPr>
+                </a:tc>
+                <a:tc>
+                  <a:txBody>
+                    <a:bodyPr/>
+                    <a:lstStyle/>
+                    <a:p>
+                      <a:pPr algn="ctr"/>
+                      <a:r>
+                        <a:rPr lang="en-US" sz="1400" dirty="0" smtClean="0"/>
+                        <a:t>X</a:t>
+                      </a:r>
+                      <a:endParaRPr lang="en-US" sz="1400" dirty="0"/>
+                    </a:p>
+                  </a:txBody>
+                  <a:tcPr vert="vert270" anchor="ctr"/>
+                </a:tc>
+                <a:tc>
+                  <a:txBody>
+                    <a:bodyPr/>
+                    <a:lstStyle/>
+                    <a:p>
+                      <a:pPr algn="ctr"/>
+                      <a:r>
+                        <a:rPr lang="en-US" sz="1400" dirty="0" smtClean="0"/>
+                        <a:t>X</a:t>
+                      </a:r>
+                      <a:endParaRPr lang="en-US" sz="1400" dirty="0"/>
+                    </a:p>
+                  </a:txBody>
+                  <a:tcPr vert="vert270" anchor="ctr"/>
+                </a:tc>
+                <a:tc>
+                  <a:txBody>
+                    <a:bodyPr/>
+                    <a:lstStyle/>
+                    <a:p>
+                      <a:pPr algn="ctr"/>
+                      <a:endParaRPr lang="en-US" sz="1400" dirty="0"/>
+                    </a:p>
+                  </a:txBody>
+                  <a:tcPr vert="vert270" anchor="ctr"/>
+                </a:tc>
+                <a:tc>
+                  <a:txBody>
+                    <a:bodyPr/>
+                    <a:lstStyle/>
+                    <a:p>
+                      <a:pPr algn="ctr"/>
+                      <a:endParaRPr lang="en-US" sz="1400" dirty="0"/>
+                    </a:p>
+                  </a:txBody>
+                  <a:tcPr vert="vert270" anchor="ctr"/>
+                </a:tc>
+              </a:tr>
+              <a:tr h="353543">
+                <a:tc>
+                  <a:txBody>
+                    <a:bodyPr/>
+                    <a:lstStyle/>
+                    <a:p>
+                      <a:r>
+                        <a:rPr lang="en-US" sz="1000" dirty="0" smtClean="0"/>
                         <a:t>PD3</a:t>
                       </a:r>
                       <a:endParaRPr lang="en-US" sz="1000" dirty="0"/>
@@ -7668,7 +8083,7 @@
                     <a:p>
                       <a:r>
                         <a:rPr lang="en-US" sz="1000" dirty="0" smtClean="0"/>
-                        <a:t>9</a:t>
+                        <a:t>P9</a:t>
                       </a:r>
                       <a:endParaRPr lang="en-US" sz="1000" dirty="0"/>
                     </a:p>
@@ -7768,7 +8183,7 @@
                     <a:p>
                       <a:r>
                         <a:rPr lang="en-US" sz="1000" dirty="0" smtClean="0"/>
-                        <a:t>PC3</a:t>
+                        <a:t>PC2</a:t>
                       </a:r>
                       <a:endParaRPr lang="en-US" sz="1000" dirty="0"/>
                     </a:p>
@@ -7789,7 +8204,7 @@
                     <a:p>
                       <a:r>
                         <a:rPr lang="en-US" sz="1000" dirty="0" smtClean="0"/>
-                        <a:t>10</a:t>
+                        <a:t>P8</a:t>
                       </a:r>
                       <a:endParaRPr lang="en-US" sz="1000" dirty="0"/>
                     </a:p>
@@ -7810,7 +8225,7 @@
                     <a:p>
                       <a:r>
                         <a:rPr lang="en-US" sz="1000" dirty="0" smtClean="0"/>
-                        <a:t>17</a:t>
+                        <a:t>16</a:t>
                       </a:r>
                       <a:endParaRPr lang="en-US" sz="1000" dirty="0"/>
                     </a:p>
@@ -7906,7 +8321,7 @@
                     <a:p>
                       <a:r>
                         <a:rPr lang="en-US" sz="1000" dirty="0" smtClean="0"/>
-                        <a:t>7</a:t>
+                        <a:t>P7</a:t>
                       </a:r>
                       <a:endParaRPr lang="en-US" sz="1000" dirty="0"/>
                     </a:p>
@@ -8027,7 +8442,7 @@
                     <a:p>
                       <a:r>
                         <a:rPr lang="en-US" sz="1000" dirty="0" smtClean="0"/>
-                        <a:t>6</a:t>
+                        <a:t>P6</a:t>
                       </a:r>
                       <a:endParaRPr lang="en-US" sz="1000" dirty="0"/>
                     </a:p>
@@ -8144,7 +8559,7 @@
                     <a:p>
                       <a:r>
                         <a:rPr lang="en-US" sz="1000" dirty="0" smtClean="0"/>
-                        <a:t>4</a:t>
+                        <a:t>P4</a:t>
                       </a:r>
                       <a:endParaRPr lang="en-US" sz="1000" dirty="0"/>
                     </a:p>
@@ -8240,7 +8655,7 @@
                     <a:p>
                       <a:r>
                         <a:rPr lang="en-US" sz="1000" dirty="0" smtClean="0"/>
-                        <a:t>PC2</a:t>
+                        <a:t>PD5</a:t>
                       </a:r>
                       <a:endParaRPr lang="en-US" sz="1000" dirty="0"/>
                     </a:p>
@@ -8261,7 +8676,7 @@
                     <a:p>
                       <a:r>
                         <a:rPr lang="en-US" sz="1000" dirty="0" smtClean="0"/>
-                        <a:t>8</a:t>
+                        <a:t>P3</a:t>
                       </a:r>
                       <a:endParaRPr lang="en-US" sz="1000" dirty="0"/>
                     </a:p>
@@ -8282,7 +8697,7 @@
                     <a:p>
                       <a:r>
                         <a:rPr lang="en-US" sz="1000" dirty="0" smtClean="0"/>
-                        <a:t>16</a:t>
+                        <a:t>5</a:t>
                       </a:r>
                       <a:endParaRPr lang="en-US" sz="1000" dirty="0"/>
                     </a:p>
@@ -8304,8 +8719,19 @@
                       <a:pPr algn="ctr"/>
                       <a:r>
                         <a:rPr lang="en-US" sz="1400" dirty="0" smtClean="0"/>
-                        <a:t>X</a:t>
+                        <a:t>*/X</a:t>
                       </a:r>
+                      <a:endParaRPr lang="en-US" sz="1400" dirty="0"/>
+                    </a:p>
+                  </a:txBody>
+                  <a:tcPr vert="vert270" anchor="ctr"/>
+                </a:tc>
+                <a:tc>
+                  <a:txBody>
+                    <a:bodyPr/>
+                    <a:lstStyle/>
+                    <a:p>
+                      <a:pPr algn="ctr"/>
                       <a:endParaRPr lang="en-US" sz="1400" dirty="0"/>
                     </a:p>
                   </a:txBody>
@@ -8332,17 +8758,10 @@
                     <a:lstStyle/>
                     <a:p>
                       <a:pPr algn="ctr"/>
-                      <a:endParaRPr lang="en-US" sz="1400" dirty="0"/>
-                    </a:p>
-                  </a:txBody>
-                  <a:tcPr vert="vert270" anchor="ctr"/>
-                </a:tc>
-                <a:tc>
-                  <a:txBody>
-                    <a:bodyPr/>
-                    <a:lstStyle/>
-                    <a:p>
-                      <a:pPr algn="ctr"/>
+                      <a:r>
+                        <a:rPr lang="en-US" sz="1400" dirty="0" smtClean="0"/>
+                        <a:t>*</a:t>
+                      </a:r>
                       <a:endParaRPr lang="en-US" sz="1400" dirty="0"/>
                     </a:p>
                   </a:txBody>
@@ -8357,7 +8776,7 @@
                     <a:p>
                       <a:r>
                         <a:rPr lang="en-US" sz="1000" dirty="0" smtClean="0"/>
-                        <a:t>PB2</a:t>
+                        <a:t>PD6</a:t>
                       </a:r>
                       <a:endParaRPr lang="en-US" sz="1000" dirty="0"/>
                     </a:p>
@@ -8378,7 +8797,7 @@
                     <a:p>
                       <a:r>
                         <a:rPr lang="en-US" sz="1000" dirty="0" smtClean="0"/>
-                        <a:t>0</a:t>
+                        <a:t>P2</a:t>
                       </a:r>
                       <a:endParaRPr lang="en-US" sz="1000" dirty="0"/>
                     </a:p>
@@ -8399,7 +8818,7 @@
                     <a:p>
                       <a:r>
                         <a:rPr lang="en-US" sz="1000" dirty="0" smtClean="0"/>
-                        <a:t>10</a:t>
+                        <a:t>6</a:t>
                       </a:r>
                       <a:endParaRPr lang="en-US" sz="1000" dirty="0"/>
                     </a:p>
@@ -8499,7 +8918,7 @@
                     <a:p>
                       <a:r>
                         <a:rPr lang="en-US" sz="1000" dirty="0" smtClean="0"/>
-                        <a:t>1</a:t>
+                        <a:t>P1</a:t>
                       </a:r>
                       <a:endParaRPr lang="en-US" sz="1000" dirty="0"/>
                     </a:p>
@@ -8599,128 +9018,7 @@
                     <a:p>
                       <a:r>
                         <a:rPr lang="en-US" sz="1000" dirty="0" smtClean="0"/>
-                        <a:t>PD6</a:t>
-                      </a:r>
-                      <a:endParaRPr lang="en-US" sz="1000" dirty="0"/>
-                    </a:p>
-                  </a:txBody>
-                  <a:tcPr vert="vert270">
-                    <a:solidFill>
-                      <a:schemeClr val="accent6">
-                        <a:lumMod val="20000"/>
-                        <a:lumOff val="80000"/>
-                      </a:schemeClr>
-                    </a:solidFill>
-                  </a:tcPr>
-                </a:tc>
-                <a:tc>
-                  <a:txBody>
-                    <a:bodyPr/>
-                    <a:lstStyle/>
-                    <a:p>
-                      <a:r>
-                        <a:rPr lang="en-US" sz="1000" dirty="0" smtClean="0"/>
-                        <a:t>2</a:t>
-                      </a:r>
-                      <a:endParaRPr lang="en-US" sz="1000" dirty="0"/>
-                    </a:p>
-                  </a:txBody>
-                  <a:tcPr vert="vert270">
-                    <a:solidFill>
-                      <a:schemeClr val="accent6">
-                        <a:lumMod val="20000"/>
-                        <a:lumOff val="80000"/>
-                      </a:schemeClr>
-                    </a:solidFill>
-                  </a:tcPr>
-                </a:tc>
-                <a:tc>
-                  <a:txBody>
-                    <a:bodyPr/>
-                    <a:lstStyle/>
-                    <a:p>
-                      <a:r>
-                        <a:rPr lang="en-US" sz="1000" dirty="0" smtClean="0"/>
-                        <a:t>6</a:t>
-                      </a:r>
-                      <a:endParaRPr lang="en-US" sz="1000" dirty="0"/>
-                    </a:p>
-                  </a:txBody>
-                  <a:tcPr vert="vert270">
-                    <a:solidFill>
-                      <a:schemeClr val="accent6">
-                        <a:lumMod val="20000"/>
-                        <a:lumOff val="80000"/>
-                      </a:schemeClr>
-                    </a:solidFill>
-                  </a:tcPr>
-                </a:tc>
-                <a:tc>
-                  <a:txBody>
-                    <a:bodyPr/>
-                    <a:lstStyle/>
-                    <a:p>
-                      <a:pPr algn="ctr"/>
-                      <a:r>
-                        <a:rPr lang="en-US" sz="1400" dirty="0" smtClean="0"/>
-                        <a:t>*/X</a:t>
-                      </a:r>
-                      <a:endParaRPr lang="en-US" sz="1400" dirty="0"/>
-                    </a:p>
-                  </a:txBody>
-                  <a:tcPr vert="vert270" anchor="ctr"/>
-                </a:tc>
-                <a:tc>
-                  <a:txBody>
-                    <a:bodyPr/>
-                    <a:lstStyle/>
-                    <a:p>
-                      <a:pPr algn="ctr"/>
-                      <a:endParaRPr lang="en-US" sz="1400" dirty="0"/>
-                    </a:p>
-                  </a:txBody>
-                  <a:tcPr vert="vert270" anchor="ctr"/>
-                </a:tc>
-                <a:tc>
-                  <a:txBody>
-                    <a:bodyPr/>
-                    <a:lstStyle/>
-                    <a:p>
-                      <a:pPr algn="ctr"/>
-                      <a:r>
-                        <a:rPr lang="en-US" sz="1400" dirty="0" smtClean="0"/>
-                        <a:t>X</a:t>
-                      </a:r>
-                      <a:endParaRPr lang="en-US" sz="1400" dirty="0"/>
-                    </a:p>
-                  </a:txBody>
-                  <a:tcPr vert="vert270" anchor="ctr"/>
-                </a:tc>
-                <a:tc>
-                  <a:txBody>
-                    <a:bodyPr/>
-                    <a:lstStyle/>
-                    <a:p>
-                      <a:pPr algn="ctr"/>
-                      <a:r>
-                        <a:rPr lang="en-US" sz="1400" dirty="0" smtClean="0"/>
-                        <a:t>*</a:t>
-                      </a:r>
-                      <a:endParaRPr lang="en-US" sz="1400" dirty="0"/>
-                    </a:p>
-                  </a:txBody>
-                  <a:tcPr vert="vert270" anchor="ctr"/>
-                </a:tc>
-              </a:tr>
-              <a:tr h="353543">
-                <a:tc>
-                  <a:txBody>
-                    <a:bodyPr/>
-                    <a:lstStyle/>
-                    <a:p>
-                      <a:r>
-                        <a:rPr lang="en-US" sz="1000" dirty="0" smtClean="0"/>
-                        <a:t>PD5</a:t>
+                        <a:t>PB2</a:t>
                       </a:r>
                       <a:endParaRPr lang="en-US" sz="1000" dirty="0"/>
                     </a:p>
@@ -8741,7 +9039,7 @@
                     <a:p>
                       <a:r>
                         <a:rPr lang="en-US" sz="1000" dirty="0" smtClean="0"/>
-                        <a:t>3</a:t>
+                        <a:t>P0</a:t>
                       </a:r>
                       <a:endParaRPr lang="en-US" sz="1000" dirty="0"/>
                     </a:p>
@@ -8762,7 +9060,7 @@
                     <a:p>
                       <a:r>
                         <a:rPr lang="en-US" sz="1000" dirty="0" smtClean="0"/>
-                        <a:t>5</a:t>
+                        <a:t>10</a:t>
                       </a:r>
                       <a:endParaRPr lang="en-US" sz="1000" dirty="0"/>
                     </a:p>
@@ -8847,7 +9145,7 @@
         </p:nvSpPr>
         <p:spPr>
           <a:xfrm>
-            <a:off x="107504" y="6345640"/>
+            <a:off x="2102828" y="6431654"/>
             <a:ext cx="1944216" cy="381073"/>
           </a:xfrm>
           <a:prstGeom prst="rect">
@@ -9041,6 +9339,486 @@
               <a:t>And a little solder bridge</a:t>
             </a:r>
             <a:endParaRPr lang="en-US" sz="1400" dirty="0">
+              <a:solidFill>
+                <a:schemeClr val="tx1">
+                  <a:lumMod val="65000"/>
+                  <a:lumOff val="35000"/>
+                </a:schemeClr>
+              </a:solidFill>
+            </a:endParaRPr>
+          </a:p>
+        </p:txBody>
+      </p:sp>
+      <p:sp>
+        <p:nvSpPr>
+          <p:cNvPr id="45" name="Subtitle 2"/>
+          <p:cNvSpPr txBox="1">
+            <a:spLocks/>
+          </p:cNvSpPr>
+          <p:nvPr/>
+        </p:nvSpPr>
+        <p:spPr>
+          <a:xfrm>
+            <a:off x="8387531" y="969193"/>
+            <a:ext cx="752128" cy="334888"/>
+          </a:xfrm>
+          <a:prstGeom prst="rect">
+            <a:avLst/>
+          </a:prstGeom>
+        </p:spPr>
+        <p:txBody>
+          <a:bodyPr vert="horz" lIns="91440" tIns="45720" rIns="91440" bIns="45720" rtlCol="0">
+            <a:noAutofit/>
+          </a:bodyPr>
+          <a:lstStyle>
+            <a:lvl1pPr marL="0" indent="0" algn="ctr" defTabSz="914400" rtl="0" eaLnBrk="1" latinLnBrk="0" hangingPunct="1">
+              <a:spcBef>
+                <a:spcPct val="20000"/>
+              </a:spcBef>
+              <a:buFont typeface="Arial" panose="020B0604020202020204" pitchFamily="34" charset="0"/>
+              <a:buNone/>
+              <a:defRPr sz="3200" kern="1200">
+                <a:solidFill>
+                  <a:schemeClr val="tx1">
+                    <a:tint val="75000"/>
+                  </a:schemeClr>
+                </a:solidFill>
+                <a:latin typeface="+mn-lt"/>
+                <a:ea typeface="+mn-ea"/>
+                <a:cs typeface="+mn-cs"/>
+              </a:defRPr>
+            </a:lvl1pPr>
+            <a:lvl2pPr marL="457200" indent="0" algn="ctr" defTabSz="914400" rtl="0" eaLnBrk="1" latinLnBrk="0" hangingPunct="1">
+              <a:spcBef>
+                <a:spcPct val="20000"/>
+              </a:spcBef>
+              <a:buFont typeface="Arial" panose="020B0604020202020204" pitchFamily="34" charset="0"/>
+              <a:buNone/>
+              <a:defRPr sz="2800" kern="1200">
+                <a:solidFill>
+                  <a:schemeClr val="tx1">
+                    <a:tint val="75000"/>
+                  </a:schemeClr>
+                </a:solidFill>
+                <a:latin typeface="+mn-lt"/>
+                <a:ea typeface="+mn-ea"/>
+                <a:cs typeface="+mn-cs"/>
+              </a:defRPr>
+            </a:lvl2pPr>
+            <a:lvl3pPr marL="914400" indent="0" algn="ctr" defTabSz="914400" rtl="0" eaLnBrk="1" latinLnBrk="0" hangingPunct="1">
+              <a:spcBef>
+                <a:spcPct val="20000"/>
+              </a:spcBef>
+              <a:buFont typeface="Arial" panose="020B0604020202020204" pitchFamily="34" charset="0"/>
+              <a:buNone/>
+              <a:defRPr sz="2400" kern="1200">
+                <a:solidFill>
+                  <a:schemeClr val="tx1">
+                    <a:tint val="75000"/>
+                  </a:schemeClr>
+                </a:solidFill>
+                <a:latin typeface="+mn-lt"/>
+                <a:ea typeface="+mn-ea"/>
+                <a:cs typeface="+mn-cs"/>
+              </a:defRPr>
+            </a:lvl3pPr>
+            <a:lvl4pPr marL="1371600" indent="0" algn="ctr" defTabSz="914400" rtl="0" eaLnBrk="1" latinLnBrk="0" hangingPunct="1">
+              <a:spcBef>
+                <a:spcPct val="20000"/>
+              </a:spcBef>
+              <a:buFont typeface="Arial" panose="020B0604020202020204" pitchFamily="34" charset="0"/>
+              <a:buNone/>
+              <a:defRPr sz="2000" kern="1200">
+                <a:solidFill>
+                  <a:schemeClr val="tx1">
+                    <a:tint val="75000"/>
+                  </a:schemeClr>
+                </a:solidFill>
+                <a:latin typeface="+mn-lt"/>
+                <a:ea typeface="+mn-ea"/>
+                <a:cs typeface="+mn-cs"/>
+              </a:defRPr>
+            </a:lvl4pPr>
+            <a:lvl5pPr marL="1828800" indent="0" algn="ctr" defTabSz="914400" rtl="0" eaLnBrk="1" latinLnBrk="0" hangingPunct="1">
+              <a:spcBef>
+                <a:spcPct val="20000"/>
+              </a:spcBef>
+              <a:buFont typeface="Arial" panose="020B0604020202020204" pitchFamily="34" charset="0"/>
+              <a:buNone/>
+              <a:defRPr sz="2000" kern="1200">
+                <a:solidFill>
+                  <a:schemeClr val="tx1">
+                    <a:tint val="75000"/>
+                  </a:schemeClr>
+                </a:solidFill>
+                <a:latin typeface="+mn-lt"/>
+                <a:ea typeface="+mn-ea"/>
+                <a:cs typeface="+mn-cs"/>
+              </a:defRPr>
+            </a:lvl5pPr>
+            <a:lvl6pPr marL="2286000" indent="0" algn="ctr" defTabSz="914400" rtl="0" eaLnBrk="1" latinLnBrk="0" hangingPunct="1">
+              <a:spcBef>
+                <a:spcPct val="20000"/>
+              </a:spcBef>
+              <a:buFont typeface="Arial" panose="020B0604020202020204" pitchFamily="34" charset="0"/>
+              <a:buNone/>
+              <a:defRPr sz="2000" kern="1200">
+                <a:solidFill>
+                  <a:schemeClr val="tx1">
+                    <a:tint val="75000"/>
+                  </a:schemeClr>
+                </a:solidFill>
+                <a:latin typeface="+mn-lt"/>
+                <a:ea typeface="+mn-ea"/>
+                <a:cs typeface="+mn-cs"/>
+              </a:defRPr>
+            </a:lvl6pPr>
+            <a:lvl7pPr marL="2743200" indent="0" algn="ctr" defTabSz="914400" rtl="0" eaLnBrk="1" latinLnBrk="0" hangingPunct="1">
+              <a:spcBef>
+                <a:spcPct val="20000"/>
+              </a:spcBef>
+              <a:buFont typeface="Arial" panose="020B0604020202020204" pitchFamily="34" charset="0"/>
+              <a:buNone/>
+              <a:defRPr sz="2000" kern="1200">
+                <a:solidFill>
+                  <a:schemeClr val="tx1">
+                    <a:tint val="75000"/>
+                  </a:schemeClr>
+                </a:solidFill>
+                <a:latin typeface="+mn-lt"/>
+                <a:ea typeface="+mn-ea"/>
+                <a:cs typeface="+mn-cs"/>
+              </a:defRPr>
+            </a:lvl7pPr>
+            <a:lvl8pPr marL="3200400" indent="0" algn="ctr" defTabSz="914400" rtl="0" eaLnBrk="1" latinLnBrk="0" hangingPunct="1">
+              <a:spcBef>
+                <a:spcPct val="20000"/>
+              </a:spcBef>
+              <a:buFont typeface="Arial" panose="020B0604020202020204" pitchFamily="34" charset="0"/>
+              <a:buNone/>
+              <a:defRPr sz="2000" kern="1200">
+                <a:solidFill>
+                  <a:schemeClr val="tx1">
+                    <a:tint val="75000"/>
+                  </a:schemeClr>
+                </a:solidFill>
+                <a:latin typeface="+mn-lt"/>
+                <a:ea typeface="+mn-ea"/>
+                <a:cs typeface="+mn-cs"/>
+              </a:defRPr>
+            </a:lvl8pPr>
+            <a:lvl9pPr marL="3657600" indent="0" algn="ctr" defTabSz="914400" rtl="0" eaLnBrk="1" latinLnBrk="0" hangingPunct="1">
+              <a:spcBef>
+                <a:spcPct val="20000"/>
+              </a:spcBef>
+              <a:buFont typeface="Arial" panose="020B0604020202020204" pitchFamily="34" charset="0"/>
+              <a:buNone/>
+              <a:defRPr sz="2000" kern="1200">
+                <a:solidFill>
+                  <a:schemeClr val="tx1">
+                    <a:tint val="75000"/>
+                  </a:schemeClr>
+                </a:solidFill>
+                <a:latin typeface="+mn-lt"/>
+                <a:ea typeface="+mn-ea"/>
+                <a:cs typeface="+mn-cs"/>
+              </a:defRPr>
+            </a:lvl9pPr>
+          </a:lstStyle>
+          <a:p>
+            <a:pPr algn="l"/>
+            <a:r>
+              <a:rPr lang="en-US" sz="1700" b="1" dirty="0" smtClean="0">
+                <a:solidFill>
+                  <a:schemeClr val="tx1">
+                    <a:lumMod val="65000"/>
+                    <a:lumOff val="35000"/>
+                  </a:schemeClr>
+                </a:solidFill>
+              </a:rPr>
+              <a:t>P11</a:t>
+            </a:r>
+            <a:endParaRPr lang="en-US" sz="1700" b="1" dirty="0">
+              <a:solidFill>
+                <a:schemeClr val="tx1">
+                  <a:lumMod val="65000"/>
+                  <a:lumOff val="35000"/>
+                </a:schemeClr>
+              </a:solidFill>
+            </a:endParaRPr>
+          </a:p>
+        </p:txBody>
+      </p:sp>
+      <p:sp>
+        <p:nvSpPr>
+          <p:cNvPr id="46" name="Down Arrow 45"/>
+          <p:cNvSpPr/>
+          <p:nvPr/>
+        </p:nvSpPr>
+        <p:spPr>
+          <a:xfrm rot="2640977">
+            <a:off x="7746528" y="1005577"/>
+            <a:ext cx="272745" cy="1517968"/>
+          </a:xfrm>
+          <a:prstGeom prst="downArrow">
+            <a:avLst/>
+          </a:prstGeom>
+        </p:spPr>
+        <p:style>
+          <a:lnRef idx="2">
+            <a:schemeClr val="accent6">
+              <a:shade val="50000"/>
+            </a:schemeClr>
+          </a:lnRef>
+          <a:fillRef idx="1">
+            <a:schemeClr val="accent6"/>
+          </a:fillRef>
+          <a:effectRef idx="0">
+            <a:schemeClr val="accent6"/>
+          </a:effectRef>
+          <a:fontRef idx="minor">
+            <a:schemeClr val="lt1"/>
+          </a:fontRef>
+        </p:style>
+        <p:txBody>
+          <a:bodyPr rtlCol="0" anchor="ctr"/>
+          <a:lstStyle/>
+          <a:p>
+            <a:pPr algn="ctr"/>
+            <a:endParaRPr lang="en-US"/>
+          </a:p>
+        </p:txBody>
+      </p:sp>
+      <p:sp>
+        <p:nvSpPr>
+          <p:cNvPr id="50" name="Down Arrow 49"/>
+          <p:cNvSpPr/>
+          <p:nvPr/>
+        </p:nvSpPr>
+        <p:spPr>
+          <a:xfrm rot="3188199">
+            <a:off x="7847461" y="500174"/>
+            <a:ext cx="316453" cy="558059"/>
+          </a:xfrm>
+          <a:prstGeom prst="downArrow">
+            <a:avLst/>
+          </a:prstGeom>
+        </p:spPr>
+        <p:style>
+          <a:lnRef idx="2">
+            <a:schemeClr val="accent5">
+              <a:shade val="50000"/>
+            </a:schemeClr>
+          </a:lnRef>
+          <a:fillRef idx="1">
+            <a:schemeClr val="accent5"/>
+          </a:fillRef>
+          <a:effectRef idx="0">
+            <a:schemeClr val="accent5"/>
+          </a:effectRef>
+          <a:fontRef idx="minor">
+            <a:schemeClr val="lt1"/>
+          </a:fontRef>
+        </p:style>
+        <p:txBody>
+          <a:bodyPr rtlCol="0" anchor="ctr"/>
+          <a:lstStyle/>
+          <a:p>
+            <a:pPr algn="ctr"/>
+            <a:endParaRPr lang="en-US"/>
+          </a:p>
+        </p:txBody>
+      </p:sp>
+      <p:sp>
+        <p:nvSpPr>
+          <p:cNvPr id="51" name="Subtitle 2"/>
+          <p:cNvSpPr txBox="1">
+            <a:spLocks/>
+          </p:cNvSpPr>
+          <p:nvPr/>
+        </p:nvSpPr>
+        <p:spPr>
+          <a:xfrm>
+            <a:off x="8120372" y="334077"/>
+            <a:ext cx="1080120" cy="399104"/>
+          </a:xfrm>
+          <a:prstGeom prst="rect">
+            <a:avLst/>
+          </a:prstGeom>
+        </p:spPr>
+        <p:txBody>
+          <a:bodyPr vert="horz" lIns="91440" tIns="45720" rIns="91440" bIns="45720" rtlCol="0">
+            <a:normAutofit/>
+          </a:bodyPr>
+          <a:lstStyle>
+            <a:lvl1pPr marL="0" indent="0" algn="ctr" defTabSz="914400" rtl="0" eaLnBrk="1" latinLnBrk="0" hangingPunct="1">
+              <a:spcBef>
+                <a:spcPct val="20000"/>
+              </a:spcBef>
+              <a:buFont typeface="Arial" panose="020B0604020202020204" pitchFamily="34" charset="0"/>
+              <a:buNone/>
+              <a:defRPr sz="3200" kern="1200">
+                <a:solidFill>
+                  <a:schemeClr val="tx1">
+                    <a:tint val="75000"/>
+                  </a:schemeClr>
+                </a:solidFill>
+                <a:latin typeface="+mn-lt"/>
+                <a:ea typeface="+mn-ea"/>
+                <a:cs typeface="+mn-cs"/>
+              </a:defRPr>
+            </a:lvl1pPr>
+            <a:lvl2pPr marL="457200" indent="0" algn="ctr" defTabSz="914400" rtl="0" eaLnBrk="1" latinLnBrk="0" hangingPunct="1">
+              <a:spcBef>
+                <a:spcPct val="20000"/>
+              </a:spcBef>
+              <a:buFont typeface="Arial" panose="020B0604020202020204" pitchFamily="34" charset="0"/>
+              <a:buNone/>
+              <a:defRPr sz="2800" kern="1200">
+                <a:solidFill>
+                  <a:schemeClr val="tx1">
+                    <a:tint val="75000"/>
+                  </a:schemeClr>
+                </a:solidFill>
+                <a:latin typeface="+mn-lt"/>
+                <a:ea typeface="+mn-ea"/>
+                <a:cs typeface="+mn-cs"/>
+              </a:defRPr>
+            </a:lvl2pPr>
+            <a:lvl3pPr marL="914400" indent="0" algn="ctr" defTabSz="914400" rtl="0" eaLnBrk="1" latinLnBrk="0" hangingPunct="1">
+              <a:spcBef>
+                <a:spcPct val="20000"/>
+              </a:spcBef>
+              <a:buFont typeface="Arial" panose="020B0604020202020204" pitchFamily="34" charset="0"/>
+              <a:buNone/>
+              <a:defRPr sz="2400" kern="1200">
+                <a:solidFill>
+                  <a:schemeClr val="tx1">
+                    <a:tint val="75000"/>
+                  </a:schemeClr>
+                </a:solidFill>
+                <a:latin typeface="+mn-lt"/>
+                <a:ea typeface="+mn-ea"/>
+                <a:cs typeface="+mn-cs"/>
+              </a:defRPr>
+            </a:lvl3pPr>
+            <a:lvl4pPr marL="1371600" indent="0" algn="ctr" defTabSz="914400" rtl="0" eaLnBrk="1" latinLnBrk="0" hangingPunct="1">
+              <a:spcBef>
+                <a:spcPct val="20000"/>
+              </a:spcBef>
+              <a:buFont typeface="Arial" panose="020B0604020202020204" pitchFamily="34" charset="0"/>
+              <a:buNone/>
+              <a:defRPr sz="2000" kern="1200">
+                <a:solidFill>
+                  <a:schemeClr val="tx1">
+                    <a:tint val="75000"/>
+                  </a:schemeClr>
+                </a:solidFill>
+                <a:latin typeface="+mn-lt"/>
+                <a:ea typeface="+mn-ea"/>
+                <a:cs typeface="+mn-cs"/>
+              </a:defRPr>
+            </a:lvl4pPr>
+            <a:lvl5pPr marL="1828800" indent="0" algn="ctr" defTabSz="914400" rtl="0" eaLnBrk="1" latinLnBrk="0" hangingPunct="1">
+              <a:spcBef>
+                <a:spcPct val="20000"/>
+              </a:spcBef>
+              <a:buFont typeface="Arial" panose="020B0604020202020204" pitchFamily="34" charset="0"/>
+              <a:buNone/>
+              <a:defRPr sz="2000" kern="1200">
+                <a:solidFill>
+                  <a:schemeClr val="tx1">
+                    <a:tint val="75000"/>
+                  </a:schemeClr>
+                </a:solidFill>
+                <a:latin typeface="+mn-lt"/>
+                <a:ea typeface="+mn-ea"/>
+                <a:cs typeface="+mn-cs"/>
+              </a:defRPr>
+            </a:lvl5pPr>
+            <a:lvl6pPr marL="2286000" indent="0" algn="ctr" defTabSz="914400" rtl="0" eaLnBrk="1" latinLnBrk="0" hangingPunct="1">
+              <a:spcBef>
+                <a:spcPct val="20000"/>
+              </a:spcBef>
+              <a:buFont typeface="Arial" panose="020B0604020202020204" pitchFamily="34" charset="0"/>
+              <a:buNone/>
+              <a:defRPr sz="2000" kern="1200">
+                <a:solidFill>
+                  <a:schemeClr val="tx1">
+                    <a:tint val="75000"/>
+                  </a:schemeClr>
+                </a:solidFill>
+                <a:latin typeface="+mn-lt"/>
+                <a:ea typeface="+mn-ea"/>
+                <a:cs typeface="+mn-cs"/>
+              </a:defRPr>
+            </a:lvl6pPr>
+            <a:lvl7pPr marL="2743200" indent="0" algn="ctr" defTabSz="914400" rtl="0" eaLnBrk="1" latinLnBrk="0" hangingPunct="1">
+              <a:spcBef>
+                <a:spcPct val="20000"/>
+              </a:spcBef>
+              <a:buFont typeface="Arial" panose="020B0604020202020204" pitchFamily="34" charset="0"/>
+              <a:buNone/>
+              <a:defRPr sz="2000" kern="1200">
+                <a:solidFill>
+                  <a:schemeClr val="tx1">
+                    <a:tint val="75000"/>
+                  </a:schemeClr>
+                </a:solidFill>
+                <a:latin typeface="+mn-lt"/>
+                <a:ea typeface="+mn-ea"/>
+                <a:cs typeface="+mn-cs"/>
+              </a:defRPr>
+            </a:lvl7pPr>
+            <a:lvl8pPr marL="3200400" indent="0" algn="ctr" defTabSz="914400" rtl="0" eaLnBrk="1" latinLnBrk="0" hangingPunct="1">
+              <a:spcBef>
+                <a:spcPct val="20000"/>
+              </a:spcBef>
+              <a:buFont typeface="Arial" panose="020B0604020202020204" pitchFamily="34" charset="0"/>
+              <a:buNone/>
+              <a:defRPr sz="2000" kern="1200">
+                <a:solidFill>
+                  <a:schemeClr val="tx1">
+                    <a:tint val="75000"/>
+                  </a:schemeClr>
+                </a:solidFill>
+                <a:latin typeface="+mn-lt"/>
+                <a:ea typeface="+mn-ea"/>
+                <a:cs typeface="+mn-cs"/>
+              </a:defRPr>
+            </a:lvl8pPr>
+            <a:lvl9pPr marL="3657600" indent="0" algn="ctr" defTabSz="914400" rtl="0" eaLnBrk="1" latinLnBrk="0" hangingPunct="1">
+              <a:spcBef>
+                <a:spcPct val="20000"/>
+              </a:spcBef>
+              <a:buFont typeface="Arial" panose="020B0604020202020204" pitchFamily="34" charset="0"/>
+              <a:buNone/>
+              <a:defRPr sz="2000" kern="1200">
+                <a:solidFill>
+                  <a:schemeClr val="tx1">
+                    <a:tint val="75000"/>
+                  </a:schemeClr>
+                </a:solidFill>
+                <a:latin typeface="+mn-lt"/>
+                <a:ea typeface="+mn-ea"/>
+                <a:cs typeface="+mn-cs"/>
+              </a:defRPr>
+            </a:lvl9pPr>
+          </a:lstStyle>
+          <a:p>
+            <a:pPr algn="l"/>
+            <a:r>
+              <a:rPr lang="en-US" sz="1100" dirty="0" smtClean="0">
+                <a:solidFill>
+                  <a:schemeClr val="tx1">
+                    <a:lumMod val="65000"/>
+                    <a:lumOff val="35000"/>
+                  </a:schemeClr>
+                </a:solidFill>
+              </a:rPr>
+              <a:t>Micro USB</a:t>
+            </a:r>
+            <a:endParaRPr lang="en-US" sz="1100" dirty="0">
               <a:solidFill>
                 <a:schemeClr val="tx1">
                   <a:lumMod val="65000"/>
@@ -9106,7 +9884,11 @@
             <a:pPr algn="l"/>
             <a:r>
               <a:rPr lang="en-US" sz="4000" dirty="0" smtClean="0"/>
-              <a:t>Jumper Config</a:t>
+              <a:t>Jumper </a:t>
+            </a:r>
+            <a:r>
+              <a:rPr lang="en-US" sz="4000" dirty="0" smtClean="0"/>
+              <a:t>Config v2.5!</a:t>
             </a:r>
             <a:r>
               <a:rPr lang="en-US" dirty="0" smtClean="0"/>
